--- a/LIFE AFTER JAVA 8.pptx
+++ b/LIFE AFTER JAVA 8.pptx
@@ -480,7 +480,7 @@
             <a:fld id="{5923F103-BC34-4FE4-A40E-EDDEECFDA5D0}" type="datetimeFigureOut">
               <a:rPr lang="en-US" dirty="0"/>
               <a:pPr/>
-              <a:t>11/9/2021</a:t>
+              <a:t>11/16/2021</a:t>
             </a:fld>
             <a:endParaRPr lang="en-US" dirty="0"/>
           </a:p>
@@ -1564,7 +1564,7 @@
           <a:p>
             <a:fld id="{923A1CC3-2375-41D4-9E03-427CAF2A4C1A}" type="datetimeFigureOut">
               <a:rPr lang="en-US" dirty="0"/>
-              <a:t>11/9/2021</a:t>
+              <a:t>11/16/2021</a:t>
             </a:fld>
             <a:endParaRPr lang="en-US" dirty="0"/>
           </a:p>
@@ -2540,7 +2540,7 @@
           <a:p>
             <a:fld id="{AFF16868-8199-4C2C-A5B1-63AEE139F88E}" type="datetimeFigureOut">
               <a:rPr lang="en-US" dirty="0"/>
-              <a:t>11/9/2021</a:t>
+              <a:t>11/16/2021</a:t>
             </a:fld>
             <a:endParaRPr lang="en-US" dirty="0"/>
           </a:p>
@@ -3670,7 +3670,7 @@
           <a:p>
             <a:fld id="{AAD9FF7F-6988-44CC-821B-644E70CD2F73}" type="datetimeFigureOut">
               <a:rPr lang="en-US" dirty="0"/>
-              <a:t>11/9/2021</a:t>
+              <a:t>11/16/2021</a:t>
             </a:fld>
             <a:endParaRPr lang="en-US" dirty="0"/>
           </a:p>
@@ -4699,7 +4699,7 @@
           <a:p>
             <a:fld id="{5C12C299-16B2-4475-990D-751901EACC14}" type="datetimeFigureOut">
               <a:rPr lang="en-US" dirty="0"/>
-              <a:t>11/9/2021</a:t>
+              <a:t>11/16/2021</a:t>
             </a:fld>
             <a:endParaRPr lang="en-US" dirty="0"/>
           </a:p>
@@ -5355,7 +5355,7 @@
           <a:p>
             <a:fld id="{9FE86839-B9D8-4651-8783-F325ECE74E65}" type="datetimeFigureOut">
               <a:rPr lang="en-US" dirty="0"/>
-              <a:t>11/9/2021</a:t>
+              <a:t>11/16/2021</a:t>
             </a:fld>
             <a:endParaRPr lang="en-US" dirty="0"/>
           </a:p>
@@ -6212,7 +6212,7 @@
           <a:p>
             <a:fld id="{FD484F64-32F6-45C5-931F-ADC1662401D0}" type="datetimeFigureOut">
               <a:rPr lang="en-US" dirty="0"/>
-              <a:t>11/9/2021</a:t>
+              <a:t>11/16/2021</a:t>
             </a:fld>
             <a:endParaRPr lang="en-US" dirty="0"/>
           </a:p>
@@ -6398,7 +6398,7 @@
           <a:p>
             <a:fld id="{53086D93-FCAC-47E0-A2EE-787E62CA814C}" type="datetimeFigureOut">
               <a:rPr lang="en-US" dirty="0"/>
-              <a:t>11/9/2021</a:t>
+              <a:t>11/16/2021</a:t>
             </a:fld>
             <a:endParaRPr lang="en-US" dirty="0"/>
           </a:p>
@@ -7366,7 +7366,7 @@
           <a:p>
             <a:fld id="{CDA879A6-0FD0-4734-A311-86BFCA472E6E}" type="datetimeFigureOut">
               <a:rPr lang="en-US" dirty="0"/>
-              <a:t>11/9/2021</a:t>
+              <a:t>11/16/2021</a:t>
             </a:fld>
             <a:endParaRPr lang="en-US" dirty="0"/>
           </a:p>
@@ -7573,7 +7573,7 @@
           <a:p>
             <a:fld id="{19C9CA7B-DFD4-44B5-8C60-D14B8CD1FB59}" type="datetimeFigureOut">
               <a:rPr lang="en-US" dirty="0"/>
-              <a:t>11/9/2021</a:t>
+              <a:t>11/16/2021</a:t>
             </a:fld>
             <a:endParaRPr lang="en-US" dirty="0"/>
           </a:p>
@@ -8603,7 +8603,7 @@
           <a:p>
             <a:fld id="{F34E6425-0181-43F2-84FC-787E803FD2F8}" type="datetimeFigureOut">
               <a:rPr lang="en-US" dirty="0"/>
-              <a:t>11/9/2021</a:t>
+              <a:t>11/16/2021</a:t>
             </a:fld>
             <a:endParaRPr lang="en-US" dirty="0"/>
           </a:p>
@@ -8871,7 +8871,7 @@
           <a:p>
             <a:fld id="{3BDB8791-F1B0-41E7-B7FD-A781E65C4266}" type="datetimeFigureOut">
               <a:rPr lang="en-US" dirty="0"/>
-              <a:t>11/9/2021</a:t>
+              <a:t>11/16/2021</a:t>
             </a:fld>
             <a:endParaRPr lang="en-US" dirty="0"/>
           </a:p>
@@ -9277,7 +9277,7 @@
           <a:p>
             <a:fld id="{5FDD63B2-E120-4ED8-B27B-C685F510A5FE}" type="datetimeFigureOut">
               <a:rPr lang="en-US" dirty="0"/>
-              <a:t>11/9/2021</a:t>
+              <a:t>11/16/2021</a:t>
             </a:fld>
             <a:endParaRPr lang="en-US" dirty="0"/>
           </a:p>
@@ -9400,7 +9400,7 @@
           <a:p>
             <a:fld id="{7AA18ACC-A947-437B-A130-35BD54FDF1E9}" type="datetimeFigureOut">
               <a:rPr lang="en-US" dirty="0"/>
-              <a:t>11/9/2021</a:t>
+              <a:t>11/16/2021</a:t>
             </a:fld>
             <a:endParaRPr lang="en-US" dirty="0"/>
           </a:p>
@@ -9491,7 +9491,7 @@
           <a:p>
             <a:fld id="{7C8D7E02-BCB8-4D50-A234-369438C08659}" type="datetimeFigureOut">
               <a:rPr lang="en-US" dirty="0"/>
-              <a:t>11/9/2021</a:t>
+              <a:t>11/16/2021</a:t>
             </a:fld>
             <a:endParaRPr lang="en-US" dirty="0"/>
           </a:p>
@@ -10568,7 +10568,7 @@
           <a:p>
             <a:fld id="{76E86A4C-8E40-4F87-A4F0-01A0687C5742}" type="datetimeFigureOut">
               <a:rPr lang="en-US" dirty="0"/>
-              <a:t>11/9/2021</a:t>
+              <a:t>11/16/2021</a:t>
             </a:fld>
             <a:endParaRPr lang="en-US" dirty="0"/>
           </a:p>
@@ -11672,7 +11672,7 @@
           <a:p>
             <a:fld id="{35E72C73-2D91-4E12-BA25-F0AA0C03599B}" type="datetimeFigureOut">
               <a:rPr lang="en-US" dirty="0"/>
-              <a:t>11/9/2021</a:t>
+              <a:t>11/16/2021</a:t>
             </a:fld>
             <a:endParaRPr lang="en-US" dirty="0"/>
           </a:p>
@@ -12665,7 +12665,7 @@
           <a:p>
             <a:fld id="{2BE451C3-0FF4-47C4-B829-773ADF60F88C}" type="datetimeFigureOut">
               <a:rPr lang="en-US" dirty="0"/>
-              <a:t>11/9/2021</a:t>
+              <a:t>11/16/2021</a:t>
             </a:fld>
             <a:endParaRPr lang="en-US" dirty="0"/>
           </a:p>
@@ -13548,15 +13548,7 @@
           <a:p>
             <a:r>
               <a:rPr lang="en-US" sz="1600" dirty="0"/>
-              <a:t>./</a:t>
-            </a:r>
-            <a:r>
-              <a:rPr lang="en-US" sz="1600" dirty="0" err="1"/>
-              <a:t>MyProgram</a:t>
-            </a:r>
-            <a:r>
-              <a:rPr lang="en-US" sz="1600" dirty="0"/>
-              <a:t> 1 2 3</a:t>
+              <a:t>./MyProgram.java 1 2 3</a:t>
             </a:r>
           </a:p>
           <a:p>
@@ -15287,8 +15279,8 @@
         </p:blipFill>
         <p:spPr>
           <a:xfrm>
-            <a:off x="1417483" y="3429000"/>
-            <a:ext cx="2975764" cy="2044169"/>
+            <a:off x="1323536" y="3516682"/>
+            <a:ext cx="4617901" cy="3172217"/>
           </a:xfrm>
           <a:prstGeom prst="rect">
             <a:avLst/>
@@ -15317,8 +15309,8 @@
         </p:blipFill>
         <p:spPr>
           <a:xfrm>
-            <a:off x="4655776" y="3585793"/>
-            <a:ext cx="3575096" cy="2169666"/>
+            <a:off x="5839484" y="2877855"/>
+            <a:ext cx="5082583" cy="3084534"/>
           </a:xfrm>
           <a:prstGeom prst="rect">
             <a:avLst/>
@@ -17431,16 +17423,16 @@
               <a:buNone/>
             </a:pPr>
             <a:r>
-              <a:rPr lang="en-US" dirty="0"/>
+              <a:rPr lang="en-US" sz="3200" dirty="0"/>
               <a:t>THANK YOU </a:t>
             </a:r>
             <a:r>
-              <a:rPr lang="en-US" dirty="0">
+              <a:rPr lang="en-US" sz="3200" dirty="0">
                 <a:sym typeface="Wingdings" panose="05000000000000000000" pitchFamily="2" charset="2"/>
               </a:rPr>
               <a:t></a:t>
             </a:r>
-            <a:endParaRPr lang="en-US" dirty="0"/>
+            <a:endParaRPr lang="en-US" sz="3200" dirty="0"/>
           </a:p>
         </p:txBody>
       </p:sp>
